--- a/docs/Funpack12_WioT_WeatherBox.pptx
+++ b/docs/Funpack12_WioT_WeatherBox.pptx
@@ -5,10 +5,10 @@
     <p:sldMasterId id="2147483648" r:id="rId1"/>
   </p:sldMasterIdLst>
   <p:notesMasterIdLst>
-    <p:notesMasterId r:id="rId12"/>
+    <p:notesMasterId r:id="rId15"/>
   </p:notesMasterIdLst>
   <p:handoutMasterIdLst>
-    <p:handoutMasterId r:id="rId13"/>
+    <p:handoutMasterId r:id="rId16"/>
   </p:handoutMasterIdLst>
   <p:sldIdLst>
     <p:sldId id="256" r:id="rId3"/>
@@ -17,9 +17,12 @@
     <p:sldId id="262" r:id="rId6"/>
     <p:sldId id="260" r:id="rId7"/>
     <p:sldId id="258" r:id="rId8"/>
-    <p:sldId id="263" r:id="rId9"/>
-    <p:sldId id="265" r:id="rId10"/>
-    <p:sldId id="259" r:id="rId11"/>
+    <p:sldId id="271" r:id="rId9"/>
+    <p:sldId id="263" r:id="rId10"/>
+    <p:sldId id="265" r:id="rId11"/>
+    <p:sldId id="259" r:id="rId12"/>
+    <p:sldId id="268" r:id="rId13"/>
+    <p:sldId id="269" r:id="rId14"/>
   </p:sldIdLst>
   <p:sldSz cx="12192000" cy="6858000"/>
   <p:notesSz cx="7103745" cy="10234295"/>
@@ -3494,6 +3497,170 @@
 </p:sld>
 </file>
 
+<file path=ppt/slides/slide10.xml><?xml version="1.0" encoding="utf-8"?>
+<p:sld xmlns:a="http://schemas.openxmlformats.org/drawingml/2006/main" xmlns:r="http://schemas.openxmlformats.org/officeDocument/2006/relationships" xmlns:p="http://schemas.openxmlformats.org/presentationml/2006/main">
+  <p:cSld>
+    <p:bg>
+      <p:bgPr>
+        <a:solidFill>
+          <a:schemeClr val="bg2">
+            <a:lumMod val="25000"/>
+          </a:schemeClr>
+        </a:solidFill>
+        <a:effectLst/>
+      </p:bgPr>
+    </p:bg>
+    <p:spTree>
+      <p:nvGrpSpPr>
+        <p:cNvPr id="1" name=""/>
+        <p:cNvGrpSpPr/>
+        <p:nvPr/>
+      </p:nvGrpSpPr>
+      <p:grpSpPr/>
+      <p:sp>
+        <p:nvSpPr>
+          <p:cNvPr id="2" name="标题 1"/>
+          <p:cNvSpPr>
+            <a:spLocks noGrp="1"/>
+          </p:cNvSpPr>
+          <p:nvPr>
+            <p:ph type="title"/>
+          </p:nvPr>
+        </p:nvSpPr>
+        <p:spPr>
+          <a:xfrm>
+            <a:off x="838200" y="212090"/>
+            <a:ext cx="10515600" cy="6433820"/>
+          </a:xfrm>
+        </p:spPr>
+        <p:txBody>
+          <a:bodyPr>
+            <a:scene3d>
+              <a:camera prst="orthographicFront"/>
+              <a:lightRig rig="soft" dir="t">
+                <a:rot lat="0" lon="0" rev="15600000"/>
+              </a:lightRig>
+            </a:scene3d>
+            <a:sp3d extrusionH="57150" prstMaterial="softEdge">
+              <a:bevelT w="25400" h="38100"/>
+            </a:sp3d>
+          </a:bodyPr>
+          <a:p>
+            <a:pPr algn="ctr"/>
+            <a:r>
+              <a:rPr lang="zh-CN" altLang="en-US" sz="6600" b="0">
+                <a:solidFill>
+                  <a:schemeClr val="accent2"/>
+                </a:solidFill>
+                <a:effectLst/>
+                <a:latin typeface="+mn-ea"/>
+                <a:ea typeface="+mn-ea"/>
+              </a:rPr>
+              <a:t>功能演示</a:t>
+            </a:r>
+            <a:endParaRPr lang="zh-CN" altLang="en-US" sz="6600" b="0">
+              <a:solidFill>
+                <a:schemeClr val="accent2"/>
+              </a:solidFill>
+              <a:effectLst/>
+              <a:latin typeface="+mn-ea"/>
+              <a:ea typeface="+mn-ea"/>
+            </a:endParaRPr>
+          </a:p>
+        </p:txBody>
+      </p:sp>
+    </p:spTree>
+  </p:cSld>
+  <p:clrMapOvr>
+    <a:masterClrMapping/>
+  </p:clrMapOvr>
+</p:sld>
+</file>
+
+<file path=ppt/slides/slide11.xml><?xml version="1.0" encoding="utf-8"?>
+<p:sld xmlns:a="http://schemas.openxmlformats.org/drawingml/2006/main" xmlns:r="http://schemas.openxmlformats.org/officeDocument/2006/relationships" xmlns:p="http://schemas.openxmlformats.org/presentationml/2006/main">
+  <p:cSld>
+    <p:spTree>
+      <p:nvGrpSpPr>
+        <p:cNvPr id="1" name=""/>
+        <p:cNvGrpSpPr/>
+        <p:nvPr/>
+      </p:nvGrpSpPr>
+      <p:grpSpPr/>
+      <p:pic>
+        <p:nvPicPr>
+          <p:cNvPr id="4" name="图片 3" descr="Understanding_the_AQI"/>
+          <p:cNvPicPr>
+            <a:picLocks noChangeAspect="1"/>
+          </p:cNvPicPr>
+          <p:nvPr/>
+        </p:nvPicPr>
+        <p:blipFill>
+          <a:blip r:embed="rId1"/>
+          <a:stretch>
+            <a:fillRect/>
+          </a:stretch>
+        </p:blipFill>
+        <p:spPr>
+          <a:xfrm>
+            <a:off x="3023870" y="2014220"/>
+            <a:ext cx="6143625" cy="2828925"/>
+          </a:xfrm>
+          <a:prstGeom prst="rect">
+            <a:avLst/>
+          </a:prstGeom>
+        </p:spPr>
+      </p:pic>
+    </p:spTree>
+  </p:cSld>
+  <p:clrMapOvr>
+    <a:masterClrMapping/>
+  </p:clrMapOvr>
+</p:sld>
+</file>
+
+<file path=ppt/slides/slide12.xml><?xml version="1.0" encoding="utf-8"?>
+<p:sld xmlns:a="http://schemas.openxmlformats.org/drawingml/2006/main" xmlns:r="http://schemas.openxmlformats.org/officeDocument/2006/relationships" xmlns:p="http://schemas.openxmlformats.org/presentationml/2006/main">
+  <p:cSld>
+    <p:spTree>
+      <p:nvGrpSpPr>
+        <p:cNvPr id="1" name=""/>
+        <p:cNvGrpSpPr/>
+        <p:nvPr/>
+      </p:nvGrpSpPr>
+      <p:grpSpPr/>
+      <p:pic>
+        <p:nvPicPr>
+          <p:cNvPr id="4" name="图片 3" descr="PM25浓度与健康影响"/>
+          <p:cNvPicPr>
+            <a:picLocks noChangeAspect="1"/>
+          </p:cNvPicPr>
+          <p:nvPr/>
+        </p:nvPicPr>
+        <p:blipFill>
+          <a:blip r:embed="rId1"/>
+          <a:stretch>
+            <a:fillRect/>
+          </a:stretch>
+        </p:blipFill>
+        <p:spPr>
+          <a:xfrm>
+            <a:off x="2209800" y="1737995"/>
+            <a:ext cx="7772400" cy="3381375"/>
+          </a:xfrm>
+          <a:prstGeom prst="rect">
+            <a:avLst/>
+          </a:prstGeom>
+        </p:spPr>
+      </p:pic>
+    </p:spTree>
+  </p:cSld>
+  <p:clrMapOvr>
+    <a:masterClrMapping/>
+  </p:clrMapOvr>
+</p:sld>
+</file>
+
 <file path=ppt/slides/slide2.xml><?xml version="1.0" encoding="utf-8"?>
 <p:sld xmlns:a="http://schemas.openxmlformats.org/drawingml/2006/main" xmlns:r="http://schemas.openxmlformats.org/officeDocument/2006/relationships" xmlns:p="http://schemas.openxmlformats.org/presentationml/2006/main">
   <p:cSld>
@@ -3546,7 +3713,6 @@
             <a:pPr algn="ctr"/>
             <a:r>
               <a:rPr lang="zh-CN" altLang="en-US" sz="6600" b="0">
-                <a:ln/>
                 <a:solidFill>
                   <a:schemeClr val="accent2"/>
                 </a:solidFill>
@@ -3557,7 +3723,6 @@
               <a:t>硬件介绍</a:t>
             </a:r>
             <a:endParaRPr lang="zh-CN" altLang="en-US" sz="6600" b="0">
-              <a:ln/>
               <a:solidFill>
                 <a:schemeClr val="accent2"/>
               </a:solidFill>
@@ -3610,11 +3775,320 @@
           </a:prstGeom>
         </p:spPr>
       </p:pic>
+      <p:sp>
+        <p:nvSpPr>
+          <p:cNvPr id="2" name="文本框 1"/>
+          <p:cNvSpPr txBox="1"/>
+          <p:nvPr/>
+        </p:nvSpPr>
+        <p:spPr>
+          <a:xfrm>
+            <a:off x="408940" y="3120390"/>
+            <a:ext cx="4050030" cy="922020"/>
+          </a:xfrm>
+          <a:prstGeom prst="rect">
+            <a:avLst/>
+          </a:prstGeom>
+          <a:noFill/>
+        </p:spPr>
+        <p:txBody>
+          <a:bodyPr wrap="none" rtlCol="0">
+            <a:spAutoFit/>
+            <a:scene3d>
+              <a:camera prst="orthographicFront"/>
+              <a:lightRig rig="threePt" dir="t"/>
+            </a:scene3d>
+          </a:bodyPr>
+          <a:p>
+            <a:r>
+              <a:rPr lang="en-US" altLang="zh-CN" sz="5400">
+                <a:solidFill>
+                  <a:schemeClr val="tx1"/>
+                </a:solidFill>
+                <a:effectLst>
+                  <a:outerShdw blurRad="38100" dist="19050" dir="2700000" algn="tl" rotWithShape="0">
+                    <a:schemeClr val="dk1">
+                      <a:alpha val="40000"/>
+                    </a:schemeClr>
+                  </a:outerShdw>
+                </a:effectLst>
+              </a:rPr>
+              <a:t>Wio Terminal</a:t>
+            </a:r>
+            <a:endParaRPr lang="en-US" altLang="zh-CN" sz="5400">
+              <a:solidFill>
+                <a:schemeClr val="tx1"/>
+              </a:solidFill>
+              <a:effectLst>
+                <a:outerShdw blurRad="38100" dist="19050" dir="2700000" algn="tl" rotWithShape="0">
+                  <a:schemeClr val="dk1">
+                    <a:alpha val="40000"/>
+                  </a:schemeClr>
+                </a:outerShdw>
+              </a:effectLst>
+            </a:endParaRPr>
+          </a:p>
+        </p:txBody>
+      </p:sp>
+      <p:sp>
+        <p:nvSpPr>
+          <p:cNvPr id="5" name="文本框 4"/>
+          <p:cNvSpPr txBox="1"/>
+          <p:nvPr/>
+        </p:nvSpPr>
+        <p:spPr>
+          <a:xfrm>
+            <a:off x="290830" y="4574540"/>
+            <a:ext cx="2506980" cy="645160"/>
+          </a:xfrm>
+          <a:prstGeom prst="rect">
+            <a:avLst/>
+          </a:prstGeom>
+          <a:noFill/>
+        </p:spPr>
+        <p:txBody>
+          <a:bodyPr wrap="none" rtlCol="0">
+            <a:spAutoFit/>
+          </a:bodyPr>
+          <a:p>
+            <a:pPr algn="l"/>
+            <a:r>
+              <a:rPr lang="zh-CN" altLang="en-US" sz="3600">
+                <a:solidFill>
+                  <a:srgbClr val="FF0000"/>
+                </a:solidFill>
+              </a:rPr>
+              <a:t>Wireless I/O</a:t>
+            </a:r>
+            <a:endParaRPr lang="zh-CN" altLang="en-US" sz="3600">
+              <a:solidFill>
+                <a:srgbClr val="FF0000"/>
+              </a:solidFill>
+            </a:endParaRPr>
+          </a:p>
+        </p:txBody>
+      </p:sp>
+      <p:sp>
+        <p:nvSpPr>
+          <p:cNvPr id="6" name="下箭头标注 5"/>
+          <p:cNvSpPr/>
+          <p:nvPr/>
+        </p:nvSpPr>
+        <p:spPr>
+          <a:xfrm>
+            <a:off x="408940" y="3138170"/>
+            <a:ext cx="1402715" cy="1316990"/>
+          </a:xfrm>
+          <a:prstGeom prst="downArrowCallout">
+            <a:avLst/>
+          </a:prstGeom>
+          <a:noFill/>
+          <a:ln w="28575" cmpd="sng">
+            <a:solidFill>
+              <a:srgbClr val="FF3300"/>
+            </a:solidFill>
+            <a:prstDash val="solid"/>
+          </a:ln>
+        </p:spPr>
+        <p:style>
+          <a:lnRef idx="2">
+            <a:schemeClr val="accent2">
+              <a:shade val="50000"/>
+            </a:schemeClr>
+          </a:lnRef>
+          <a:fillRef idx="1">
+            <a:schemeClr val="accent2"/>
+          </a:fillRef>
+          <a:effectRef idx="0">
+            <a:schemeClr val="accent2"/>
+          </a:effectRef>
+          <a:fontRef idx="minor">
+            <a:schemeClr val="lt1"/>
+          </a:fontRef>
+        </p:style>
+        <p:txBody>
+          <a:bodyPr rtlCol="0" anchor="ctr"/>
+          <a:p>
+            <a:pPr algn="ctr"/>
+            <a:endParaRPr lang="zh-CN" altLang="en-US"/>
+          </a:p>
+        </p:txBody>
+      </p:sp>
     </p:spTree>
   </p:cSld>
   <p:clrMapOvr>
     <a:masterClrMapping/>
   </p:clrMapOvr>
+  <p:timing>
+    <p:tnLst>
+      <p:par>
+        <p:cTn id="1" dur="indefinite" restart="never" nodeType="tmRoot">
+          <p:childTnLst>
+            <p:seq concurrent="1" nextAc="seek">
+              <p:cTn id="2" dur="indefinite" nodeType="mainSeq">
+                <p:childTnLst>
+                  <p:par>
+                    <p:cTn id="3" fill="hold">
+                      <p:stCondLst>
+                        <p:cond delay="indefinite"/>
+                      </p:stCondLst>
+                      <p:childTnLst>
+                        <p:par>
+                          <p:cTn id="4" fill="hold">
+                            <p:stCondLst>
+                              <p:cond delay="0"/>
+                            </p:stCondLst>
+                            <p:childTnLst>
+                              <p:par>
+                                <p:cTn id="5" presetID="1" presetClass="entr" presetSubtype="0" fill="hold" grpId="0" nodeType="clickEffect">
+                                  <p:stCondLst>
+                                    <p:cond delay="0"/>
+                                  </p:stCondLst>
+                                  <p:childTnLst>
+                                    <p:set>
+                                      <p:cBhvr>
+                                        <p:cTn id="6" dur="1" fill="hold">
+                                          <p:stCondLst>
+                                            <p:cond delay="0"/>
+                                          </p:stCondLst>
+                                        </p:cTn>
+                                        <p:tgtEl>
+                                          <p:spTgt spid="2"/>
+                                        </p:tgtEl>
+                                        <p:attrNameLst>
+                                          <p:attrName>style.visibility</p:attrName>
+                                        </p:attrNameLst>
+                                      </p:cBhvr>
+                                      <p:to>
+                                        <p:strVal val="visible"/>
+                                      </p:to>
+                                    </p:set>
+                                  </p:childTnLst>
+                                </p:cTn>
+                              </p:par>
+                            </p:childTnLst>
+                          </p:cTn>
+                        </p:par>
+                      </p:childTnLst>
+                    </p:cTn>
+                  </p:par>
+                  <p:par>
+                    <p:cTn id="7" fill="hold">
+                      <p:stCondLst>
+                        <p:cond delay="indefinite"/>
+                      </p:stCondLst>
+                      <p:childTnLst>
+                        <p:par>
+                          <p:cTn id="8" fill="hold">
+                            <p:stCondLst>
+                              <p:cond delay="0"/>
+                            </p:stCondLst>
+                            <p:childTnLst>
+                              <p:par>
+                                <p:cTn id="9" presetID="1" presetClass="entr" presetSubtype="0" fill="hold" grpId="0" nodeType="clickEffect">
+                                  <p:stCondLst>
+                                    <p:cond delay="0"/>
+                                  </p:stCondLst>
+                                  <p:childTnLst>
+                                    <p:set>
+                                      <p:cBhvr>
+                                        <p:cTn id="10" dur="1" fill="hold">
+                                          <p:stCondLst>
+                                            <p:cond delay="0"/>
+                                          </p:stCondLst>
+                                        </p:cTn>
+                                        <p:tgtEl>
+                                          <p:spTgt spid="6"/>
+                                        </p:tgtEl>
+                                        <p:attrNameLst>
+                                          <p:attrName>style.visibility</p:attrName>
+                                        </p:attrNameLst>
+                                      </p:cBhvr>
+                                      <p:to>
+                                        <p:strVal val="visible"/>
+                                      </p:to>
+                                    </p:set>
+                                  </p:childTnLst>
+                                </p:cTn>
+                              </p:par>
+                            </p:childTnLst>
+                          </p:cTn>
+                        </p:par>
+                      </p:childTnLst>
+                    </p:cTn>
+                  </p:par>
+                  <p:par>
+                    <p:cTn id="11" fill="hold">
+                      <p:stCondLst>
+                        <p:cond delay="indefinite"/>
+                      </p:stCondLst>
+                      <p:childTnLst>
+                        <p:par>
+                          <p:cTn id="12" fill="hold">
+                            <p:stCondLst>
+                              <p:cond delay="0"/>
+                            </p:stCondLst>
+                            <p:childTnLst>
+                              <p:par>
+                                <p:cTn id="13" presetID="1" presetClass="entr" presetSubtype="0" fill="hold" grpId="0" nodeType="clickEffect">
+                                  <p:stCondLst>
+                                    <p:cond delay="0"/>
+                                  </p:stCondLst>
+                                  <p:childTnLst>
+                                    <p:set>
+                                      <p:cBhvr>
+                                        <p:cTn id="14" dur="1" fill="hold">
+                                          <p:stCondLst>
+                                            <p:cond delay="0"/>
+                                          </p:stCondLst>
+                                        </p:cTn>
+                                        <p:tgtEl>
+                                          <p:spTgt spid="5"/>
+                                        </p:tgtEl>
+                                        <p:attrNameLst>
+                                          <p:attrName>style.visibility</p:attrName>
+                                        </p:attrNameLst>
+                                      </p:cBhvr>
+                                      <p:to>
+                                        <p:strVal val="visible"/>
+                                      </p:to>
+                                    </p:set>
+                                  </p:childTnLst>
+                                </p:cTn>
+                              </p:par>
+                            </p:childTnLst>
+                          </p:cTn>
+                        </p:par>
+                      </p:childTnLst>
+                    </p:cTn>
+                  </p:par>
+                </p:childTnLst>
+              </p:cTn>
+              <p:prevCondLst>
+                <p:cond evt="onPrev" delay="0">
+                  <p:tgtEl>
+                    <p:sldTgt/>
+                  </p:tgtEl>
+                </p:cond>
+              </p:prevCondLst>
+              <p:nextCondLst>
+                <p:cond evt="onNext" delay="0">
+                  <p:tgtEl>
+                    <p:sldTgt/>
+                  </p:tgtEl>
+                </p:cond>
+              </p:nextCondLst>
+            </p:seq>
+          </p:childTnLst>
+        </p:cTn>
+      </p:par>
+    </p:tnLst>
+    <p:bldLst>
+      <p:bldP spid="2" grpId="0"/>
+      <p:bldP spid="6" grpId="0" animBg="1"/>
+      <p:bldP spid="5" grpId="0"/>
+    </p:bldLst>
+  </p:timing>
 </p:sld>
 </file>
 
@@ -3783,6 +4257,81 @@
 </file>
 
 <file path=ppt/slides/slide7.xml><?xml version="1.0" encoding="utf-8"?>
+<p:sld xmlns:a="http://schemas.openxmlformats.org/drawingml/2006/main" xmlns:r="http://schemas.openxmlformats.org/officeDocument/2006/relationships" xmlns:p="http://schemas.openxmlformats.org/presentationml/2006/main">
+  <p:cSld>
+    <p:spTree>
+      <p:nvGrpSpPr>
+        <p:cNvPr id="1" name=""/>
+        <p:cNvGrpSpPr/>
+        <p:nvPr/>
+      </p:nvGrpSpPr>
+      <p:grpSpPr/>
+      <p:sp>
+        <p:nvSpPr>
+          <p:cNvPr id="2" name="标题 1"/>
+          <p:cNvSpPr>
+            <a:spLocks noGrp="1"/>
+          </p:cNvSpPr>
+          <p:nvPr>
+            <p:ph type="title"/>
+          </p:nvPr>
+        </p:nvSpPr>
+        <p:spPr>
+          <a:xfrm>
+            <a:off x="647700" y="704215"/>
+            <a:ext cx="10515600" cy="1325563"/>
+          </a:xfrm>
+        </p:spPr>
+        <p:txBody>
+          <a:bodyPr/>
+          <a:p>
+            <a:r>
+              <a:rPr lang="en-US" altLang="zh-CN"/>
+              <a:t>Funpack</a:t>
+            </a:r>
+            <a:r>
+              <a:rPr lang="zh-CN" altLang="en-US"/>
+              <a:t>第12期指定完成的任务</a:t>
+            </a:r>
+            <a:endParaRPr lang="zh-CN" altLang="en-US"/>
+          </a:p>
+        </p:txBody>
+      </p:sp>
+      <p:pic>
+        <p:nvPicPr>
+          <p:cNvPr id="4" name="内容占位符 3" descr="2021-12-21 01-00-04 的屏幕截图"/>
+          <p:cNvPicPr>
+            <a:picLocks noChangeAspect="1"/>
+          </p:cNvPicPr>
+          <p:nvPr>
+            <p:ph idx="1"/>
+          </p:nvPr>
+        </p:nvPicPr>
+        <p:blipFill>
+          <a:blip r:embed="rId1"/>
+          <a:stretch>
+            <a:fillRect/>
+          </a:stretch>
+        </p:blipFill>
+        <p:spPr>
+          <a:xfrm>
+            <a:off x="1785620" y="2576830"/>
+            <a:ext cx="8239125" cy="2847975"/>
+          </a:xfrm>
+          <a:prstGeom prst="rect">
+            <a:avLst/>
+          </a:prstGeom>
+        </p:spPr>
+      </p:pic>
+    </p:spTree>
+  </p:cSld>
+  <p:clrMapOvr>
+    <a:masterClrMapping/>
+  </p:clrMapOvr>
+</p:sld>
+</file>
+
+<file path=ppt/slides/slide8.xml><?xml version="1.0" encoding="utf-8"?>
 <p:sld xmlns:a="http://schemas.openxmlformats.org/drawingml/2006/main" xmlns:r="http://schemas.openxmlformats.org/officeDocument/2006/relationships" xmlns:p="http://schemas.openxmlformats.org/presentationml/2006/main">
   <p:cSld>
     <p:spTree>
@@ -4550,7 +5099,6 @@
               <a:pPr algn="ctr"/>
               <a:r>
                 <a:rPr lang="en-US" altLang="zh-CN" sz="2400">
-                  <a:ln/>
                   <a:solidFill>
                     <a:schemeClr val="bg1"/>
                   </a:solidFill>
@@ -4565,7 +5113,6 @@
                 <a:t>Web Server</a:t>
               </a:r>
               <a:endParaRPr lang="en-US" altLang="zh-CN" sz="2400">
-                <a:ln/>
                 <a:solidFill>
                   <a:schemeClr val="bg1"/>
                 </a:solidFill>
@@ -4677,6 +5224,295 @@
             </a:p>
           </p:txBody>
         </p:sp>
+      </p:grpSp>
+      <p:grpSp>
+        <p:nvGrpSpPr>
+          <p:cNvPr id="34" name="组合 33"/>
+          <p:cNvGrpSpPr/>
+          <p:nvPr/>
+        </p:nvGrpSpPr>
+        <p:grpSpPr>
+          <a:xfrm>
+            <a:off x="2667000" y="337185"/>
+            <a:ext cx="1402080" cy="4883150"/>
+            <a:chOff x="4200" y="531"/>
+            <a:chExt cx="2208" cy="7690"/>
+          </a:xfrm>
+        </p:grpSpPr>
+        <p:sp>
+          <p:nvSpPr>
+            <p:cNvPr id="3" name="矩形 2"/>
+            <p:cNvSpPr/>
+            <p:nvPr/>
+          </p:nvSpPr>
+          <p:spPr>
+            <a:xfrm>
+              <a:off x="4200" y="531"/>
+              <a:ext cx="2208" cy="2316"/>
+            </a:xfrm>
+            <a:prstGeom prst="rect">
+              <a:avLst/>
+            </a:prstGeom>
+            <a:solidFill>
+              <a:schemeClr val="accent4"/>
+            </a:solidFill>
+            <a:ln w="25400"/>
+          </p:spPr>
+          <p:style>
+            <a:lnRef idx="2">
+              <a:schemeClr val="accent2">
+                <a:shade val="50000"/>
+              </a:schemeClr>
+            </a:lnRef>
+            <a:fillRef idx="1">
+              <a:schemeClr val="accent2"/>
+            </a:fillRef>
+            <a:effectRef idx="0">
+              <a:schemeClr val="accent2"/>
+            </a:effectRef>
+            <a:fontRef idx="minor">
+              <a:schemeClr val="lt1"/>
+            </a:fontRef>
+          </p:style>
+          <p:txBody>
+            <a:bodyPr rtlCol="0" anchor="ctr"/>
+            <a:p>
+              <a:pPr algn="ctr"/>
+              <a:endParaRPr lang="zh-CN" altLang="en-US"/>
+            </a:p>
+          </p:txBody>
+        </p:sp>
+        <p:sp>
+          <p:nvSpPr>
+            <p:cNvPr id="28" name="文本框 27"/>
+            <p:cNvSpPr txBox="1"/>
+            <p:nvPr/>
+          </p:nvSpPr>
+          <p:spPr>
+            <a:xfrm>
+              <a:off x="4552" y="1326"/>
+              <a:ext cx="1582" cy="725"/>
+            </a:xfrm>
+            <a:prstGeom prst="rect">
+              <a:avLst/>
+            </a:prstGeom>
+            <a:noFill/>
+          </p:spPr>
+          <p:txBody>
+            <a:bodyPr wrap="none" rtlCol="0">
+              <a:spAutoFit/>
+            </a:bodyPr>
+            <a:p>
+              <a:r>
+                <a:rPr lang="en-US" altLang="zh-CN" sz="2400"/>
+                <a:t>PM2.5</a:t>
+              </a:r>
+              <a:endParaRPr lang="en-US" altLang="zh-CN" sz="2400"/>
+            </a:p>
+          </p:txBody>
+        </p:sp>
+        <p:cxnSp>
+          <p:nvCxnSpPr>
+            <p:cNvPr id="30" name="直接连接符 29"/>
+            <p:cNvCxnSpPr>
+              <a:stCxn id="3" idx="2"/>
+            </p:cNvCxnSpPr>
+            <p:nvPr/>
+          </p:nvCxnSpPr>
+          <p:spPr>
+            <a:xfrm>
+              <a:off x="5304" y="2847"/>
+              <a:ext cx="0" cy="5375"/>
+            </a:xfrm>
+            <a:prstGeom prst="line">
+              <a:avLst/>
+            </a:prstGeom>
+            <a:ln w="50800" cmpd="sng">
+              <a:solidFill>
+                <a:srgbClr val="990000"/>
+              </a:solidFill>
+              <a:prstDash val="solid"/>
+            </a:ln>
+          </p:spPr>
+          <p:style>
+            <a:lnRef idx="1">
+              <a:schemeClr val="accent1"/>
+            </a:lnRef>
+            <a:fillRef idx="0">
+              <a:schemeClr val="accent1"/>
+            </a:fillRef>
+            <a:effectRef idx="0">
+              <a:schemeClr val="accent1"/>
+            </a:effectRef>
+            <a:fontRef idx="minor">
+              <a:schemeClr val="tx1"/>
+            </a:fontRef>
+          </p:style>
+        </p:cxnSp>
+      </p:grpSp>
+      <p:grpSp>
+        <p:nvGrpSpPr>
+          <p:cNvPr id="41" name="组合 40"/>
+          <p:cNvGrpSpPr/>
+          <p:nvPr/>
+        </p:nvGrpSpPr>
+        <p:grpSpPr>
+          <a:xfrm>
+            <a:off x="6482080" y="4992370"/>
+            <a:ext cx="864870" cy="1449705"/>
+            <a:chOff x="10208" y="7862"/>
+            <a:chExt cx="1362" cy="2283"/>
+          </a:xfrm>
+        </p:grpSpPr>
+        <p:grpSp>
+          <p:nvGrpSpPr>
+            <p:cNvPr id="40" name="组合 39"/>
+            <p:cNvGrpSpPr/>
+            <p:nvPr/>
+          </p:nvGrpSpPr>
+          <p:grpSpPr>
+            <a:xfrm>
+              <a:off x="10208" y="8717"/>
+              <a:ext cx="1362" cy="1428"/>
+              <a:chOff x="10229" y="9069"/>
+              <a:chExt cx="1362" cy="1428"/>
+            </a:xfrm>
+          </p:grpSpPr>
+          <p:sp>
+            <p:nvSpPr>
+              <p:cNvPr id="36" name="矩形 35"/>
+              <p:cNvSpPr/>
+              <p:nvPr/>
+            </p:nvSpPr>
+            <p:spPr>
+              <a:xfrm>
+                <a:off x="10229" y="9069"/>
+                <a:ext cx="1362" cy="1429"/>
+              </a:xfrm>
+              <a:prstGeom prst="rect">
+                <a:avLst/>
+              </a:prstGeom>
+              <a:gradFill>
+                <a:gsLst>
+                  <a:gs pos="0">
+                    <a:srgbClr val="7B32B2"/>
+                  </a:gs>
+                  <a:gs pos="100000">
+                    <a:srgbClr val="401A5D"/>
+                  </a:gs>
+                </a:gsLst>
+                <a:lin ang="5400000" scaled="0"/>
+              </a:gradFill>
+              <a:ln w="28575" cmpd="sng">
+                <a:solidFill>
+                  <a:schemeClr val="accent6">
+                    <a:lumMod val="50000"/>
+                  </a:schemeClr>
+                </a:solidFill>
+                <a:prstDash val="solid"/>
+              </a:ln>
+            </p:spPr>
+            <p:style>
+              <a:lnRef idx="2">
+                <a:schemeClr val="accent1">
+                  <a:shade val="50000"/>
+                </a:schemeClr>
+              </a:lnRef>
+              <a:fillRef idx="1">
+                <a:schemeClr val="accent1"/>
+              </a:fillRef>
+              <a:effectRef idx="0">
+                <a:schemeClr val="accent1"/>
+              </a:effectRef>
+              <a:fontRef idx="minor">
+                <a:schemeClr val="lt1"/>
+              </a:fontRef>
+            </p:style>
+            <p:txBody>
+              <a:bodyPr rtlCol="0" anchor="ctr"/>
+              <a:p>
+                <a:pPr algn="ctr"/>
+                <a:endParaRPr lang="zh-CN" altLang="en-US"/>
+              </a:p>
+            </p:txBody>
+          </p:sp>
+          <p:sp>
+            <p:nvSpPr>
+              <p:cNvPr id="38" name="文本框 37"/>
+              <p:cNvSpPr txBox="1"/>
+              <p:nvPr/>
+            </p:nvSpPr>
+            <p:spPr>
+              <a:xfrm>
+                <a:off x="10318" y="9421"/>
+                <a:ext cx="1142" cy="725"/>
+              </a:xfrm>
+              <a:prstGeom prst="rect">
+                <a:avLst/>
+              </a:prstGeom>
+              <a:noFill/>
+            </p:spPr>
+            <p:txBody>
+              <a:bodyPr wrap="none" rtlCol="0">
+                <a:spAutoFit/>
+              </a:bodyPr>
+              <a:p>
+                <a:r>
+                  <a:rPr lang="en-US" altLang="zh-CN" sz="2400">
+                    <a:solidFill>
+                      <a:schemeClr val="bg1"/>
+                    </a:solidFill>
+                  </a:rPr>
+                  <a:t>AQI</a:t>
+                </a:r>
+                <a:endParaRPr lang="en-US" altLang="zh-CN" sz="2400">
+                  <a:solidFill>
+                    <a:schemeClr val="bg1"/>
+                  </a:solidFill>
+                </a:endParaRPr>
+              </a:p>
+            </p:txBody>
+          </p:sp>
+        </p:grpSp>
+        <p:cxnSp>
+          <p:nvCxnSpPr>
+            <p:cNvPr id="39" name="直接连接符 38"/>
+            <p:cNvCxnSpPr>
+              <a:stCxn id="13" idx="2"/>
+              <a:endCxn id="36" idx="0"/>
+            </p:cNvCxnSpPr>
+            <p:nvPr/>
+          </p:nvCxnSpPr>
+          <p:spPr>
+            <a:xfrm>
+              <a:off x="10889" y="7862"/>
+              <a:ext cx="0" cy="855"/>
+            </a:xfrm>
+            <a:prstGeom prst="line">
+              <a:avLst/>
+            </a:prstGeom>
+            <a:ln w="50800" cmpd="sng">
+              <a:solidFill>
+                <a:srgbClr val="990000"/>
+              </a:solidFill>
+              <a:prstDash val="solid"/>
+            </a:ln>
+          </p:spPr>
+          <p:style>
+            <a:lnRef idx="1">
+              <a:schemeClr val="accent1"/>
+            </a:lnRef>
+            <a:fillRef idx="0">
+              <a:schemeClr val="accent1"/>
+            </a:fillRef>
+            <a:effectRef idx="0">
+              <a:schemeClr val="accent1"/>
+            </a:effectRef>
+            <a:fontRef idx="minor">
+              <a:schemeClr val="tx1"/>
+            </a:fontRef>
+          </p:style>
+        </p:cxnSp>
       </p:grpSp>
     </p:spTree>
   </p:cSld>
@@ -4807,7 +5643,7 @@
                                           </p:stCondLst>
                                         </p:cTn>
                                         <p:tgtEl>
-                                          <p:spTgt spid="31"/>
+                                          <p:spTgt spid="34"/>
                                         </p:tgtEl>
                                         <p:attrNameLst>
                                           <p:attrName>style.visibility</p:attrName>
@@ -4852,7 +5688,7 @@
                                           </p:stCondLst>
                                         </p:cTn>
                                         <p:tgtEl>
-                                          <p:spTgt spid="18"/>
+                                          <p:spTgt spid="41"/>
                                         </p:tgtEl>
                                         <p:attrNameLst>
                                           <p:attrName>style.visibility</p:attrName>
@@ -4897,7 +5733,7 @@
                                           </p:stCondLst>
                                         </p:cTn>
                                         <p:tgtEl>
-                                          <p:spTgt spid="32"/>
+                                          <p:spTgt spid="18"/>
                                         </p:tgtEl>
                                         <p:attrNameLst>
                                           <p:attrName>style.visibility</p:attrName>
@@ -4937,6 +5773,96 @@
                                     <p:set>
                                       <p:cBhvr>
                                         <p:cTn id="26" dur="1" fill="hold">
+                                          <p:stCondLst>
+                                            <p:cond delay="0"/>
+                                          </p:stCondLst>
+                                        </p:cTn>
+                                        <p:tgtEl>
+                                          <p:spTgt spid="31"/>
+                                        </p:tgtEl>
+                                        <p:attrNameLst>
+                                          <p:attrName>style.visibility</p:attrName>
+                                        </p:attrNameLst>
+                                      </p:cBhvr>
+                                      <p:to>
+                                        <p:strVal val="visible"/>
+                                      </p:to>
+                                    </p:set>
+                                  </p:childTnLst>
+                                </p:cTn>
+                              </p:par>
+                            </p:childTnLst>
+                          </p:cTn>
+                        </p:par>
+                      </p:childTnLst>
+                    </p:cTn>
+                  </p:par>
+                  <p:par>
+                    <p:cTn id="27" fill="hold">
+                      <p:stCondLst>
+                        <p:cond delay="indefinite"/>
+                      </p:stCondLst>
+                      <p:childTnLst>
+                        <p:par>
+                          <p:cTn id="28" fill="hold">
+                            <p:stCondLst>
+                              <p:cond delay="0"/>
+                            </p:stCondLst>
+                            <p:childTnLst>
+                              <p:par>
+                                <p:cTn id="29" presetID="1" presetClass="entr" presetSubtype="0" fill="hold" nodeType="clickEffect">
+                                  <p:stCondLst>
+                                    <p:cond delay="0"/>
+                                  </p:stCondLst>
+                                  <p:childTnLst>
+                                    <p:set>
+                                      <p:cBhvr>
+                                        <p:cTn id="30" dur="1" fill="hold">
+                                          <p:stCondLst>
+                                            <p:cond delay="0"/>
+                                          </p:stCondLst>
+                                        </p:cTn>
+                                        <p:tgtEl>
+                                          <p:spTgt spid="32"/>
+                                        </p:tgtEl>
+                                        <p:attrNameLst>
+                                          <p:attrName>style.visibility</p:attrName>
+                                        </p:attrNameLst>
+                                      </p:cBhvr>
+                                      <p:to>
+                                        <p:strVal val="visible"/>
+                                      </p:to>
+                                    </p:set>
+                                  </p:childTnLst>
+                                </p:cTn>
+                              </p:par>
+                            </p:childTnLst>
+                          </p:cTn>
+                        </p:par>
+                      </p:childTnLst>
+                    </p:cTn>
+                  </p:par>
+                  <p:par>
+                    <p:cTn id="31" fill="hold">
+                      <p:stCondLst>
+                        <p:cond delay="indefinite"/>
+                      </p:stCondLst>
+                      <p:childTnLst>
+                        <p:par>
+                          <p:cTn id="32" fill="hold">
+                            <p:stCondLst>
+                              <p:cond delay="0"/>
+                            </p:stCondLst>
+                            <p:childTnLst>
+                              <p:par>
+                                <p:cTn id="33" presetID="1" presetClass="entr" presetSubtype="0" fill="hold" nodeType="clickEffect">
+                                  <p:stCondLst>
+                                    <p:cond delay="0"/>
+                                  </p:stCondLst>
+                                  <p:childTnLst>
+                                    <p:set>
+                                      <p:cBhvr>
+                                        <p:cTn id="34" dur="1" fill="hold">
                                           <p:stCondLst>
                                             <p:cond delay="0"/>
                                           </p:stCondLst>
@@ -4986,7 +5912,7 @@
 </p:sld>
 </file>
 
-<file path=ppt/slides/slide8.xml><?xml version="1.0" encoding="utf-8"?>
+<file path=ppt/slides/slide9.xml><?xml version="1.0" encoding="utf-8"?>
 <p:sld xmlns:a="http://schemas.openxmlformats.org/drawingml/2006/main" xmlns:r="http://schemas.openxmlformats.org/officeDocument/2006/relationships" xmlns:p="http://schemas.openxmlformats.org/presentationml/2006/main">
   <p:cSld>
     <p:spTree>
@@ -5020,284 +5946,269 @@
           </a:prstGeom>
         </p:spPr>
       </p:pic>
-      <p:grpSp>
-        <p:nvGrpSpPr>
-          <p:cNvPr id="18" name="组合 17"/>
-          <p:cNvGrpSpPr/>
+      <p:sp>
+        <p:nvSpPr>
+          <p:cNvPr id="5" name="文本框 4"/>
+          <p:cNvSpPr txBox="1"/>
           <p:nvPr/>
-        </p:nvGrpSpPr>
-        <p:grpSpPr>
+        </p:nvSpPr>
+        <p:spPr>
           <a:xfrm>
-            <a:off x="7810500" y="984885"/>
-            <a:ext cx="2360930" cy="4994910"/>
-            <a:chOff x="12542" y="1551"/>
-            <a:chExt cx="3718" cy="7866"/>
+            <a:off x="7698740" y="653415"/>
+            <a:ext cx="944880" cy="368300"/>
           </a:xfrm>
-        </p:grpSpPr>
-        <p:sp>
-          <p:nvSpPr>
-            <p:cNvPr id="5" name="文本框 4"/>
-            <p:cNvSpPr txBox="1"/>
-            <p:nvPr/>
-          </p:nvSpPr>
-          <p:spPr>
-            <a:xfrm>
-              <a:off x="12542" y="1551"/>
-              <a:ext cx="1488" cy="580"/>
-            </a:xfrm>
-            <a:prstGeom prst="rect">
-              <a:avLst/>
-            </a:prstGeom>
-            <a:noFill/>
-          </p:spPr>
-          <p:txBody>
-            <a:bodyPr wrap="none" rtlCol="0">
-              <a:spAutoFit/>
-            </a:bodyPr>
-            <a:p>
-              <a:pPr algn="l"/>
-              <a:r>
-                <a:rPr lang="zh-CN" altLang="en-US">
-                  <a:solidFill>
-                    <a:schemeClr val="tx1"/>
-                  </a:solidFill>
-                </a:rPr>
-                <a:t>rpcWiFi</a:t>
-              </a:r>
-              <a:endParaRPr lang="zh-CN" altLang="en-US">
+          <a:prstGeom prst="rect">
+            <a:avLst/>
+          </a:prstGeom>
+          <a:noFill/>
+        </p:spPr>
+        <p:txBody>
+          <a:bodyPr wrap="none" rtlCol="0">
+            <a:spAutoFit/>
+          </a:bodyPr>
+          <a:p>
+            <a:pPr algn="l"/>
+            <a:r>
+              <a:rPr lang="zh-CN" altLang="en-US">
                 <a:solidFill>
                   <a:schemeClr val="tx1"/>
                 </a:solidFill>
-              </a:endParaRPr>
-            </a:p>
-          </p:txBody>
-        </p:sp>
-        <p:sp>
-          <p:nvSpPr>
-            <p:cNvPr id="6" name="文本框 5"/>
-            <p:cNvSpPr txBox="1"/>
-            <p:nvPr/>
-          </p:nvSpPr>
-          <p:spPr>
-            <a:xfrm>
-              <a:off x="12542" y="2467"/>
-              <a:ext cx="2888" cy="580"/>
-            </a:xfrm>
-            <a:prstGeom prst="rect">
-              <a:avLst/>
-            </a:prstGeom>
-            <a:noFill/>
-          </p:spPr>
-          <p:txBody>
-            <a:bodyPr wrap="none" rtlCol="0">
-              <a:spAutoFit/>
-            </a:bodyPr>
-            <a:p>
-              <a:pPr algn="l"/>
-              <a:r>
-                <a:rPr lang="zh-CN" altLang="en-US">
-                  <a:solidFill>
-                    <a:schemeClr val="tx1"/>
-                  </a:solidFill>
-                </a:rPr>
-                <a:t>WiFiClientSecure</a:t>
-              </a:r>
-              <a:endParaRPr lang="zh-CN" altLang="en-US">
+              </a:rPr>
+              <a:t>rpcWiFi</a:t>
+            </a:r>
+            <a:endParaRPr lang="zh-CN" altLang="en-US">
+              <a:solidFill>
+                <a:schemeClr val="tx1"/>
+              </a:solidFill>
+            </a:endParaRPr>
+          </a:p>
+        </p:txBody>
+      </p:sp>
+      <p:sp>
+        <p:nvSpPr>
+          <p:cNvPr id="6" name="文本框 5"/>
+          <p:cNvSpPr txBox="1"/>
+          <p:nvPr/>
+        </p:nvSpPr>
+        <p:spPr>
+          <a:xfrm>
+            <a:off x="7698740" y="1128395"/>
+            <a:ext cx="1833880" cy="368300"/>
+          </a:xfrm>
+          <a:prstGeom prst="rect">
+            <a:avLst/>
+          </a:prstGeom>
+          <a:noFill/>
+        </p:spPr>
+        <p:txBody>
+          <a:bodyPr wrap="none" rtlCol="0">
+            <a:spAutoFit/>
+          </a:bodyPr>
+          <a:p>
+            <a:pPr algn="l"/>
+            <a:r>
+              <a:rPr lang="zh-CN" altLang="en-US">
                 <a:solidFill>
                   <a:schemeClr val="tx1"/>
                 </a:solidFill>
-              </a:endParaRPr>
-            </a:p>
-          </p:txBody>
-        </p:sp>
-        <p:sp>
-          <p:nvSpPr>
-            <p:cNvPr id="7" name="文本框 6"/>
-            <p:cNvSpPr txBox="1"/>
-            <p:nvPr/>
-          </p:nvSpPr>
-          <p:spPr>
-            <a:xfrm>
-              <a:off x="12572" y="3465"/>
-              <a:ext cx="2068" cy="580"/>
-            </a:xfrm>
-            <a:prstGeom prst="rect">
-              <a:avLst/>
-            </a:prstGeom>
-            <a:noFill/>
-          </p:spPr>
-          <p:txBody>
-            <a:bodyPr wrap="none" rtlCol="0">
-              <a:spAutoFit/>
-            </a:bodyPr>
-            <a:p>
-              <a:pPr algn="l"/>
-              <a:r>
-                <a:rPr lang="zh-CN" altLang="en-US">
-                  <a:solidFill>
-                    <a:schemeClr val="tx1"/>
-                  </a:solidFill>
-                </a:rPr>
-                <a:t>HTTPClient</a:t>
-              </a:r>
-              <a:endParaRPr lang="zh-CN" altLang="en-US">
+              </a:rPr>
+              <a:t>WiFiClientSecure</a:t>
+            </a:r>
+            <a:endParaRPr lang="zh-CN" altLang="en-US">
+              <a:solidFill>
+                <a:schemeClr val="tx1"/>
+              </a:solidFill>
+            </a:endParaRPr>
+          </a:p>
+        </p:txBody>
+      </p:sp>
+      <p:sp>
+        <p:nvSpPr>
+          <p:cNvPr id="7" name="文本框 6"/>
+          <p:cNvSpPr txBox="1"/>
+          <p:nvPr/>
+        </p:nvSpPr>
+        <p:spPr>
+          <a:xfrm>
+            <a:off x="7698740" y="1597025"/>
+            <a:ext cx="1313180" cy="368300"/>
+          </a:xfrm>
+          <a:prstGeom prst="rect">
+            <a:avLst/>
+          </a:prstGeom>
+          <a:noFill/>
+        </p:spPr>
+        <p:txBody>
+          <a:bodyPr wrap="none" rtlCol="0">
+            <a:spAutoFit/>
+          </a:bodyPr>
+          <a:p>
+            <a:pPr algn="l"/>
+            <a:r>
+              <a:rPr lang="zh-CN" altLang="en-US">
                 <a:solidFill>
                   <a:schemeClr val="tx1"/>
                 </a:solidFill>
-              </a:endParaRPr>
-            </a:p>
-          </p:txBody>
-        </p:sp>
-        <p:sp>
-          <p:nvSpPr>
-            <p:cNvPr id="8" name="文本框 7"/>
-            <p:cNvSpPr txBox="1"/>
-            <p:nvPr/>
-          </p:nvSpPr>
-          <p:spPr>
-            <a:xfrm>
-              <a:off x="12542" y="4691"/>
-              <a:ext cx="2128" cy="580"/>
-            </a:xfrm>
-            <a:prstGeom prst="rect">
-              <a:avLst/>
-            </a:prstGeom>
-            <a:noFill/>
-          </p:spPr>
-          <p:txBody>
-            <a:bodyPr wrap="none" rtlCol="0">
-              <a:spAutoFit/>
-            </a:bodyPr>
-            <a:p>
-              <a:pPr algn="l"/>
-              <a:r>
-                <a:rPr lang="zh-CN" altLang="en-US"/>
-                <a:t>ArduinoJson</a:t>
-              </a:r>
-              <a:endParaRPr lang="zh-CN" altLang="en-US"/>
-            </a:p>
-          </p:txBody>
-        </p:sp>
-        <p:sp>
-          <p:nvSpPr>
-            <p:cNvPr id="9" name="文本框 8"/>
-            <p:cNvSpPr txBox="1"/>
-            <p:nvPr/>
-          </p:nvSpPr>
-          <p:spPr>
-            <a:xfrm>
-              <a:off x="12542" y="5968"/>
-              <a:ext cx="1788" cy="580"/>
-            </a:xfrm>
-            <a:prstGeom prst="rect">
-              <a:avLst/>
-            </a:prstGeom>
-            <a:noFill/>
-          </p:spPr>
-          <p:txBody>
-            <a:bodyPr wrap="none" rtlCol="0">
-              <a:spAutoFit/>
-            </a:bodyPr>
-            <a:p>
-              <a:pPr algn="l"/>
-              <a:r>
-                <a:rPr lang="zh-CN" altLang="en-US"/>
-                <a:t>TFT_eSPI</a:t>
-              </a:r>
-              <a:endParaRPr lang="zh-CN" altLang="en-US"/>
-            </a:p>
-          </p:txBody>
-        </p:sp>
-        <p:sp>
-          <p:nvSpPr>
-            <p:cNvPr id="10" name="文本框 9"/>
-            <p:cNvSpPr txBox="1"/>
-            <p:nvPr/>
-          </p:nvSpPr>
-          <p:spPr>
-            <a:xfrm>
-              <a:off x="12542" y="6899"/>
-              <a:ext cx="1908" cy="580"/>
-            </a:xfrm>
-            <a:prstGeom prst="rect">
-              <a:avLst/>
-            </a:prstGeom>
-            <a:noFill/>
-          </p:spPr>
-          <p:txBody>
-            <a:bodyPr wrap="none" rtlCol="0">
-              <a:spAutoFit/>
-            </a:bodyPr>
-            <a:p>
-              <a:pPr algn="l"/>
-              <a:r>
-                <a:rPr lang="zh-CN" altLang="en-US"/>
-                <a:t>Free_Fonts</a:t>
-              </a:r>
-              <a:endParaRPr lang="zh-CN" altLang="en-US"/>
-            </a:p>
-          </p:txBody>
-        </p:sp>
-        <p:sp>
-          <p:nvSpPr>
-            <p:cNvPr id="11" name="文本框 10"/>
-            <p:cNvSpPr txBox="1"/>
-            <p:nvPr/>
-          </p:nvSpPr>
-          <p:spPr>
-            <a:xfrm>
-              <a:off x="12542" y="7871"/>
-              <a:ext cx="3718" cy="580"/>
-            </a:xfrm>
-            <a:prstGeom prst="rect">
-              <a:avLst/>
-            </a:prstGeom>
-            <a:noFill/>
-          </p:spPr>
-          <p:txBody>
-            <a:bodyPr wrap="square" rtlCol="0">
-              <a:spAutoFit/>
-            </a:bodyPr>
-            <a:p>
-              <a:r>
-                <a:rPr lang="zh-CN" altLang="en-US"/>
-                <a:t>Adafruit_AHTX0</a:t>
-              </a:r>
-              <a:endParaRPr lang="zh-CN" altLang="en-US"/>
-            </a:p>
-          </p:txBody>
-        </p:sp>
-        <p:sp>
-          <p:nvSpPr>
-            <p:cNvPr id="12" name="文本框 11"/>
-            <p:cNvSpPr txBox="1"/>
-            <p:nvPr/>
-          </p:nvSpPr>
-          <p:spPr>
-            <a:xfrm>
-              <a:off x="12542" y="8837"/>
-              <a:ext cx="1568" cy="580"/>
-            </a:xfrm>
-            <a:prstGeom prst="rect">
-              <a:avLst/>
-            </a:prstGeom>
-            <a:noFill/>
-          </p:spPr>
-          <p:txBody>
-            <a:bodyPr wrap="none" rtlCol="0">
-              <a:spAutoFit/>
-            </a:bodyPr>
-            <a:p>
-              <a:pPr algn="l"/>
-              <a:r>
-                <a:rPr lang="zh-CN" altLang="en-US"/>
-                <a:t>Bounce2</a:t>
-              </a:r>
-              <a:endParaRPr lang="zh-CN" altLang="en-US"/>
-            </a:p>
-          </p:txBody>
-        </p:sp>
-      </p:grpSp>
+              </a:rPr>
+              <a:t>HTTPClient</a:t>
+            </a:r>
+            <a:endParaRPr lang="zh-CN" altLang="en-US">
+              <a:solidFill>
+                <a:schemeClr val="tx1"/>
+              </a:solidFill>
+            </a:endParaRPr>
+          </a:p>
+        </p:txBody>
+      </p:sp>
+      <p:sp>
+        <p:nvSpPr>
+          <p:cNvPr id="8" name="文本框 7"/>
+          <p:cNvSpPr txBox="1"/>
+          <p:nvPr/>
+        </p:nvSpPr>
+        <p:spPr>
+          <a:xfrm>
+            <a:off x="7679690" y="2298700"/>
+            <a:ext cx="1351280" cy="368300"/>
+          </a:xfrm>
+          <a:prstGeom prst="rect">
+            <a:avLst/>
+          </a:prstGeom>
+          <a:noFill/>
+        </p:spPr>
+        <p:txBody>
+          <a:bodyPr wrap="none" rtlCol="0">
+            <a:spAutoFit/>
+          </a:bodyPr>
+          <a:p>
+            <a:pPr algn="l"/>
+            <a:r>
+              <a:rPr lang="zh-CN" altLang="en-US"/>
+              <a:t>ArduinoJson</a:t>
+            </a:r>
+            <a:endParaRPr lang="zh-CN" altLang="en-US"/>
+          </a:p>
+        </p:txBody>
+      </p:sp>
+      <p:sp>
+        <p:nvSpPr>
+          <p:cNvPr id="9" name="文本框 8"/>
+          <p:cNvSpPr txBox="1"/>
+          <p:nvPr/>
+        </p:nvSpPr>
+        <p:spPr>
+          <a:xfrm>
+            <a:off x="7698740" y="3060065"/>
+            <a:ext cx="1135380" cy="368300"/>
+          </a:xfrm>
+          <a:prstGeom prst="rect">
+            <a:avLst/>
+          </a:prstGeom>
+          <a:noFill/>
+        </p:spPr>
+        <p:txBody>
+          <a:bodyPr wrap="none" rtlCol="0">
+            <a:spAutoFit/>
+          </a:bodyPr>
+          <a:p>
+            <a:pPr algn="l"/>
+            <a:r>
+              <a:rPr lang="zh-CN" altLang="en-US"/>
+              <a:t>TFT_eSPI</a:t>
+            </a:r>
+            <a:endParaRPr lang="zh-CN" altLang="en-US"/>
+          </a:p>
+        </p:txBody>
+      </p:sp>
+      <p:sp>
+        <p:nvSpPr>
+          <p:cNvPr id="10" name="文本框 9"/>
+          <p:cNvSpPr txBox="1"/>
+          <p:nvPr/>
+        </p:nvSpPr>
+        <p:spPr>
+          <a:xfrm>
+            <a:off x="7698740" y="3522345"/>
+            <a:ext cx="1211580" cy="368300"/>
+          </a:xfrm>
+          <a:prstGeom prst="rect">
+            <a:avLst/>
+          </a:prstGeom>
+          <a:noFill/>
+        </p:spPr>
+        <p:txBody>
+          <a:bodyPr wrap="none" rtlCol="0">
+            <a:spAutoFit/>
+          </a:bodyPr>
+          <a:p>
+            <a:pPr algn="l"/>
+            <a:r>
+              <a:rPr lang="zh-CN" altLang="en-US"/>
+              <a:t>Free_Fonts</a:t>
+            </a:r>
+            <a:endParaRPr lang="zh-CN" altLang="en-US"/>
+          </a:p>
+        </p:txBody>
+      </p:sp>
+      <p:sp>
+        <p:nvSpPr>
+          <p:cNvPr id="11" name="文本框 10"/>
+          <p:cNvSpPr txBox="1"/>
+          <p:nvPr/>
+        </p:nvSpPr>
+        <p:spPr>
+          <a:xfrm>
+            <a:off x="7679690" y="4707255"/>
+            <a:ext cx="2360930" cy="368300"/>
+          </a:xfrm>
+          <a:prstGeom prst="rect">
+            <a:avLst/>
+          </a:prstGeom>
+          <a:noFill/>
+        </p:spPr>
+        <p:txBody>
+          <a:bodyPr wrap="square" rtlCol="0">
+            <a:spAutoFit/>
+          </a:bodyPr>
+          <a:p>
+            <a:r>
+              <a:rPr lang="zh-CN" altLang="en-US"/>
+              <a:t>Seeed_HM330X</a:t>
+            </a:r>
+            <a:endParaRPr lang="zh-CN" altLang="en-US"/>
+          </a:p>
+        </p:txBody>
+      </p:sp>
+      <p:sp>
+        <p:nvSpPr>
+          <p:cNvPr id="12" name="文本框 11"/>
+          <p:cNvSpPr txBox="1"/>
+          <p:nvPr/>
+        </p:nvSpPr>
+        <p:spPr>
+          <a:xfrm>
+            <a:off x="7698740" y="5873115"/>
+            <a:ext cx="995680" cy="368300"/>
+          </a:xfrm>
+          <a:prstGeom prst="rect">
+            <a:avLst/>
+          </a:prstGeom>
+          <a:noFill/>
+        </p:spPr>
+        <p:txBody>
+          <a:bodyPr wrap="none" rtlCol="0">
+            <a:spAutoFit/>
+          </a:bodyPr>
+          <a:p>
+            <a:pPr algn="l"/>
+            <a:r>
+              <a:rPr lang="zh-CN" altLang="en-US"/>
+              <a:t>Bounce2</a:t>
+            </a:r>
+            <a:endParaRPr lang="zh-CN" altLang="en-US"/>
+          </a:p>
+        </p:txBody>
+      </p:sp>
       <p:sp>
         <p:nvSpPr>
           <p:cNvPr id="13" name="文本框 12"/>
@@ -5306,7 +6217,7 @@
         </p:nvSpPr>
         <p:spPr>
           <a:xfrm>
-            <a:off x="10100310" y="1459865"/>
+            <a:off x="9988550" y="1128395"/>
             <a:ext cx="1097280" cy="368300"/>
           </a:xfrm>
           <a:prstGeom prst="rect">
@@ -5347,7 +6258,7 @@
         </p:nvSpPr>
         <p:spPr>
           <a:xfrm>
-            <a:off x="10100310" y="2978785"/>
+            <a:off x="9988550" y="2298700"/>
             <a:ext cx="1097280" cy="368300"/>
           </a:xfrm>
           <a:prstGeom prst="rect">
@@ -5384,7 +6295,7 @@
         </p:nvSpPr>
         <p:spPr>
           <a:xfrm>
-            <a:off x="10100310" y="4012565"/>
+            <a:off x="9959975" y="3269615"/>
             <a:ext cx="1154430" cy="368300"/>
           </a:xfrm>
           <a:prstGeom prst="rect">
@@ -5453,7 +6364,7 @@
         </p:nvSpPr>
         <p:spPr>
           <a:xfrm>
-            <a:off x="10100310" y="4998085"/>
+            <a:off x="10102850" y="4707255"/>
             <a:ext cx="868680" cy="368300"/>
           </a:xfrm>
           <a:prstGeom prst="rect">
@@ -5490,7 +6401,7 @@
         </p:nvSpPr>
         <p:spPr>
           <a:xfrm>
-            <a:off x="10100310" y="5611495"/>
+            <a:off x="9988550" y="5873115"/>
             <a:ext cx="1097280" cy="368300"/>
           </a:xfrm>
           <a:prstGeom prst="rect">
@@ -5520,6 +6431,64 @@
                 </a:schemeClr>
               </a:solidFill>
             </a:endParaRPr>
+          </a:p>
+        </p:txBody>
+      </p:sp>
+      <p:sp>
+        <p:nvSpPr>
+          <p:cNvPr id="2" name="文本框 1"/>
+          <p:cNvSpPr txBox="1"/>
+          <p:nvPr/>
+        </p:nvSpPr>
+        <p:spPr>
+          <a:xfrm>
+            <a:off x="7698740" y="4216400"/>
+            <a:ext cx="2360930" cy="368300"/>
+          </a:xfrm>
+          <a:prstGeom prst="rect">
+            <a:avLst/>
+          </a:prstGeom>
+          <a:noFill/>
+        </p:spPr>
+        <p:txBody>
+          <a:bodyPr wrap="square" rtlCol="0">
+            <a:spAutoFit/>
+          </a:bodyPr>
+          <a:p>
+            <a:r>
+              <a:rPr lang="zh-CN" altLang="en-US"/>
+              <a:t>Adafruit_AHTX0</a:t>
+            </a:r>
+            <a:endParaRPr lang="zh-CN" altLang="en-US"/>
+          </a:p>
+        </p:txBody>
+      </p:sp>
+      <p:sp>
+        <p:nvSpPr>
+          <p:cNvPr id="3" name="文本框 2"/>
+          <p:cNvSpPr txBox="1"/>
+          <p:nvPr/>
+        </p:nvSpPr>
+        <p:spPr>
+          <a:xfrm>
+            <a:off x="7698740" y="5126355"/>
+            <a:ext cx="2360930" cy="368300"/>
+          </a:xfrm>
+          <a:prstGeom prst="rect">
+            <a:avLst/>
+          </a:prstGeom>
+          <a:noFill/>
+        </p:spPr>
+        <p:txBody>
+          <a:bodyPr wrap="square" rtlCol="0">
+            <a:spAutoFit/>
+          </a:bodyPr>
+          <a:p>
+            <a:r>
+              <a:rPr lang="zh-CN" altLang="en-US"/>
+              <a:t>Air_Quality_Sensor</a:t>
+            </a:r>
+            <a:endParaRPr lang="zh-CN" altLang="en-US"/>
           </a:p>
         </p:txBody>
       </p:sp>
@@ -5549,7 +6518,7 @@
                             </p:stCondLst>
                             <p:childTnLst>
                               <p:par>
-                                <p:cTn id="5" presetID="18" presetClass="entr" presetSubtype="12" fill="hold" nodeType="clickEffect">
+                                <p:cTn id="5" presetID="1" presetClass="entr" presetSubtype="0" fill="hold" grpId="0" nodeType="clickEffect">
                                   <p:stCondLst>
                                     <p:cond delay="0"/>
                                   </p:stCondLst>
@@ -5562,7 +6531,7 @@
                                           </p:stCondLst>
                                         </p:cTn>
                                         <p:tgtEl>
-                                          <p:spTgt spid="18"/>
+                                          <p:spTgt spid="5"/>
                                         </p:tgtEl>
                                         <p:attrNameLst>
                                           <p:attrName>style.visibility</p:attrName>
@@ -5572,44 +6541,72 @@
                                         <p:strVal val="visible"/>
                                       </p:to>
                                     </p:set>
-                                    <p:animEffect transition="in" filter="strips(downLeft)">
-                                      <p:cBhvr>
-                                        <p:cTn id="7" dur="500"/>
-                                        <p:tgtEl>
-                                          <p:spTgt spid="18"/>
-                                        </p:tgtEl>
-                                      </p:cBhvr>
-                                    </p:animEffect>
                                   </p:childTnLst>
                                 </p:cTn>
                               </p:par>
-                            </p:childTnLst>
-                          </p:cTn>
-                        </p:par>
-                      </p:childTnLst>
-                    </p:cTn>
-                  </p:par>
-                  <p:par>
-                    <p:cTn id="8" fill="hold">
-                      <p:stCondLst>
-                        <p:cond delay="indefinite"/>
-                      </p:stCondLst>
-                      <p:childTnLst>
-                        <p:par>
-                          <p:cTn id="9" fill="hold">
-                            <p:stCondLst>
-                              <p:cond delay="0"/>
-                            </p:stCondLst>
-                            <p:childTnLst>
                               <p:par>
-                                <p:cTn id="10" presetID="1" presetClass="entr" presetSubtype="0" fill="hold" grpId="0" nodeType="clickEffect">
+                                <p:cTn id="7" presetID="1" presetClass="entr" presetSubtype="0" fill="hold" grpId="0" nodeType="withEffect">
                                   <p:stCondLst>
                                     <p:cond delay="0"/>
                                   </p:stCondLst>
                                   <p:childTnLst>
                                     <p:set>
                                       <p:cBhvr>
-                                        <p:cTn id="11" dur="1" fill="hold">
+                                        <p:cTn id="8" dur="1" fill="hold">
+                                          <p:stCondLst>
+                                            <p:cond delay="0"/>
+                                          </p:stCondLst>
+                                        </p:cTn>
+                                        <p:tgtEl>
+                                          <p:spTgt spid="6"/>
+                                        </p:tgtEl>
+                                        <p:attrNameLst>
+                                          <p:attrName>style.visibility</p:attrName>
+                                        </p:attrNameLst>
+                                      </p:cBhvr>
+                                      <p:to>
+                                        <p:strVal val="visible"/>
+                                      </p:to>
+                                    </p:set>
+                                  </p:childTnLst>
+                                </p:cTn>
+                              </p:par>
+                              <p:par>
+                                <p:cTn id="9" presetID="1" presetClass="entr" presetSubtype="0" fill="hold" grpId="0" nodeType="withEffect">
+                                  <p:stCondLst>
+                                    <p:cond delay="0"/>
+                                  </p:stCondLst>
+                                  <p:childTnLst>
+                                    <p:set>
+                                      <p:cBhvr>
+                                        <p:cTn id="10" dur="1" fill="hold">
+                                          <p:stCondLst>
+                                            <p:cond delay="0"/>
+                                          </p:stCondLst>
+                                        </p:cTn>
+                                        <p:tgtEl>
+                                          <p:spTgt spid="7"/>
+                                        </p:tgtEl>
+                                        <p:attrNameLst>
+                                          <p:attrName>style.visibility</p:attrName>
+                                        </p:attrNameLst>
+                                      </p:cBhvr>
+                                      <p:to>
+                                        <p:strVal val="visible"/>
+                                      </p:to>
+                                    </p:set>
+                                  </p:childTnLst>
+                                </p:cTn>
+                              </p:par>
+                              <p:par>
+                                <p:cTn id="11" presetID="1" presetClass="entr" presetSubtype="0" fill="hold" grpId="0" nodeType="withEffect">
+                                  <p:stCondLst>
+                                    <p:cond delay="0"/>
+                                  </p:stCondLst>
+                                  <p:childTnLst>
+                                    <p:set>
+                                      <p:cBhvr>
+                                        <p:cTn id="12" dur="1" fill="hold">
                                           <p:stCondLst>
                                             <p:cond delay="0"/>
                                           </p:stCondLst>
@@ -5635,26 +6632,53 @@
                     </p:cTn>
                   </p:par>
                   <p:par>
-                    <p:cTn id="12" fill="hold">
+                    <p:cTn id="13" fill="hold">
                       <p:stCondLst>
                         <p:cond delay="indefinite"/>
                       </p:stCondLst>
                       <p:childTnLst>
                         <p:par>
-                          <p:cTn id="13" fill="hold">
+                          <p:cTn id="14" fill="hold">
                             <p:stCondLst>
                               <p:cond delay="0"/>
                             </p:stCondLst>
                             <p:childTnLst>
                               <p:par>
-                                <p:cTn id="14" presetID="1" presetClass="entr" presetSubtype="0" fill="hold" grpId="0" nodeType="clickEffect">
+                                <p:cTn id="15" presetID="1" presetClass="entr" presetSubtype="0" fill="hold" grpId="0" nodeType="clickEffect">
                                   <p:stCondLst>
                                     <p:cond delay="0"/>
                                   </p:stCondLst>
                                   <p:childTnLst>
                                     <p:set>
                                       <p:cBhvr>
-                                        <p:cTn id="15" dur="1" fill="hold">
+                                        <p:cTn id="16" dur="1" fill="hold">
+                                          <p:stCondLst>
+                                            <p:cond delay="0"/>
+                                          </p:stCondLst>
+                                        </p:cTn>
+                                        <p:tgtEl>
+                                          <p:spTgt spid="8"/>
+                                        </p:tgtEl>
+                                        <p:attrNameLst>
+                                          <p:attrName>style.visibility</p:attrName>
+                                        </p:attrNameLst>
+                                      </p:cBhvr>
+                                      <p:to>
+                                        <p:strVal val="visible"/>
+                                      </p:to>
+                                    </p:set>
+                                  </p:childTnLst>
+                                </p:cTn>
+                              </p:par>
+                              <p:par>
+                                <p:cTn id="17" presetID="1" presetClass="entr" presetSubtype="0" fill="hold" grpId="0" nodeType="withEffect">
+                                  <p:stCondLst>
+                                    <p:cond delay="0"/>
+                                  </p:stCondLst>
+                                  <p:childTnLst>
+                                    <p:set>
+                                      <p:cBhvr>
+                                        <p:cTn id="18" dur="1" fill="hold">
                                           <p:stCondLst>
                                             <p:cond delay="0"/>
                                           </p:stCondLst>
@@ -5680,26 +6704,80 @@
                     </p:cTn>
                   </p:par>
                   <p:par>
-                    <p:cTn id="16" fill="hold">
+                    <p:cTn id="19" fill="hold">
                       <p:stCondLst>
                         <p:cond delay="indefinite"/>
                       </p:stCondLst>
                       <p:childTnLst>
                         <p:par>
-                          <p:cTn id="17" fill="hold">
+                          <p:cTn id="20" fill="hold">
                             <p:stCondLst>
                               <p:cond delay="0"/>
                             </p:stCondLst>
                             <p:childTnLst>
                               <p:par>
-                                <p:cTn id="18" presetID="1" presetClass="entr" presetSubtype="0" fill="hold" grpId="0" nodeType="clickEffect">
+                                <p:cTn id="21" presetID="1" presetClass="entr" presetSubtype="0" fill="hold" grpId="0" nodeType="clickEffect">
                                   <p:stCondLst>
                                     <p:cond delay="0"/>
                                   </p:stCondLst>
                                   <p:childTnLst>
                                     <p:set>
                                       <p:cBhvr>
-                                        <p:cTn id="19" dur="1" fill="hold">
+                                        <p:cTn id="22" dur="1" fill="hold">
+                                          <p:stCondLst>
+                                            <p:cond delay="0"/>
+                                          </p:stCondLst>
+                                        </p:cTn>
+                                        <p:tgtEl>
+                                          <p:spTgt spid="9"/>
+                                        </p:tgtEl>
+                                        <p:attrNameLst>
+                                          <p:attrName>style.visibility</p:attrName>
+                                        </p:attrNameLst>
+                                      </p:cBhvr>
+                                      <p:to>
+                                        <p:strVal val="visible"/>
+                                      </p:to>
+                                    </p:set>
+                                  </p:childTnLst>
+                                </p:cTn>
+                              </p:par>
+                              <p:par>
+                                <p:cTn id="23" presetID="1" presetClass="entr" presetSubtype="0" fill="hold" grpId="0" nodeType="withEffect">
+                                  <p:stCondLst>
+                                    <p:cond delay="0"/>
+                                  </p:stCondLst>
+                                  <p:childTnLst>
+                                    <p:set>
+                                      <p:cBhvr>
+                                        <p:cTn id="24" dur="1" fill="hold">
+                                          <p:stCondLst>
+                                            <p:cond delay="0"/>
+                                          </p:stCondLst>
+                                        </p:cTn>
+                                        <p:tgtEl>
+                                          <p:spTgt spid="10"/>
+                                        </p:tgtEl>
+                                        <p:attrNameLst>
+                                          <p:attrName>style.visibility</p:attrName>
+                                        </p:attrNameLst>
+                                      </p:cBhvr>
+                                      <p:to>
+                                        <p:strVal val="visible"/>
+                                      </p:to>
+                                    </p:set>
+                                  </p:childTnLst>
+                                </p:cTn>
+                              </p:par>
+                              <p:par>
+                                <p:cTn id="25" presetID="1" presetClass="entr" presetSubtype="0" fill="hold" grpId="0" nodeType="withEffect">
+                                  <p:stCondLst>
+                                    <p:cond delay="0"/>
+                                  </p:stCondLst>
+                                  <p:childTnLst>
+                                    <p:set>
+                                      <p:cBhvr>
+                                        <p:cTn id="26" dur="1" fill="hold">
                                           <p:stCondLst>
                                             <p:cond delay="0"/>
                                           </p:stCondLst>
@@ -5725,32 +6803,113 @@
                     </p:cTn>
                   </p:par>
                   <p:par>
-                    <p:cTn id="20" fill="hold">
+                    <p:cTn id="27" fill="hold">
                       <p:stCondLst>
                         <p:cond delay="indefinite"/>
                       </p:stCondLst>
                       <p:childTnLst>
                         <p:par>
-                          <p:cTn id="21" fill="hold">
+                          <p:cTn id="28" fill="hold">
                             <p:stCondLst>
                               <p:cond delay="0"/>
                             </p:stCondLst>
                             <p:childTnLst>
                               <p:par>
-                                <p:cTn id="22" presetID="1" presetClass="entr" presetSubtype="0" fill="hold" grpId="0" nodeType="clickEffect">
+                                <p:cTn id="29" presetID="1" presetClass="entr" presetSubtype="0" fill="hold" grpId="0" nodeType="clickEffect">
                                   <p:stCondLst>
                                     <p:cond delay="0"/>
                                   </p:stCondLst>
                                   <p:childTnLst>
                                     <p:set>
                                       <p:cBhvr>
-                                        <p:cTn id="23" dur="1" fill="hold">
+                                        <p:cTn id="30" dur="1" fill="hold">
+                                          <p:stCondLst>
+                                            <p:cond delay="0"/>
+                                          </p:stCondLst>
+                                        </p:cTn>
+                                        <p:tgtEl>
+                                          <p:spTgt spid="11"/>
+                                        </p:tgtEl>
+                                        <p:attrNameLst>
+                                          <p:attrName>style.visibility</p:attrName>
+                                        </p:attrNameLst>
+                                      </p:cBhvr>
+                                      <p:to>
+                                        <p:strVal val="visible"/>
+                                      </p:to>
+                                    </p:set>
+                                  </p:childTnLst>
+                                </p:cTn>
+                              </p:par>
+                              <p:par>
+                                <p:cTn id="31" presetID="1" presetClass="entr" presetSubtype="0" fill="hold" grpId="0" nodeType="withEffect">
+                                  <p:stCondLst>
+                                    <p:cond delay="0"/>
+                                  </p:stCondLst>
+                                  <p:childTnLst>
+                                    <p:set>
+                                      <p:cBhvr>
+                                        <p:cTn id="32" dur="1" fill="hold">
                                           <p:stCondLst>
                                             <p:cond delay="0"/>
                                           </p:stCondLst>
                                         </p:cTn>
                                         <p:tgtEl>
                                           <p:spTgt spid="16"/>
+                                        </p:tgtEl>
+                                        <p:attrNameLst>
+                                          <p:attrName>style.visibility</p:attrName>
+                                        </p:attrNameLst>
+                                      </p:cBhvr>
+                                      <p:to>
+                                        <p:strVal val="visible"/>
+                                      </p:to>
+                                    </p:set>
+                                  </p:childTnLst>
+                                </p:cTn>
+                              </p:par>
+                              <p:par>
+                                <p:cTn id="33" presetID="1" presetClass="entr" presetSubtype="0" fill="hold" grpId="0" nodeType="withEffect">
+                                  <p:stCondLst>
+                                    <p:cond delay="0"/>
+                                  </p:stCondLst>
+                                  <p:childTnLst>
+                                    <p:set>
+                                      <p:cBhvr>
+                                        <p:cTn id="34" dur="1" fill="hold">
+                                          <p:stCondLst>
+                                            <p:cond delay="0"/>
+                                          </p:stCondLst>
+                                        </p:cTn>
+                                        <p:tgtEl>
+                                          <p:spTgt spid="2"/>
+                                        </p:tgtEl>
+                                        <p:attrNameLst>
+                                          <p:attrName>style.visibility</p:attrName>
+                                        </p:attrNameLst>
+                                      </p:cBhvr>
+                                      <p:to>
+                                        <p:strVal val="visible"/>
+                                      </p:to>
+                                    </p:set>
+                                  </p:childTnLst>
+                                </p:cTn>
+                              </p:par>
+                              <p:par>
+                                <p:cTn id="35" presetID="1" presetClass="entr" presetSubtype="0" fill="hold" grpId="0" nodeType="withEffect">
+                                  <p:stCondLst>
+                                    <p:cond delay="0"/>
+                                  </p:stCondLst>
+                                  <p:childTnLst>
+                                    <p:set>
+                                      <p:cBhvr>
+                                        <p:cTn id="36" dur="1" fill="hold">
+                                          <p:stCondLst>
+                                            <p:cond delay="0"/>
+                                          </p:stCondLst>
+                                        </p:cTn>
+                                        <p:tgtEl>
+                                          <p:spTgt spid="3"/>
                                         </p:tgtEl>
                                         <p:attrNameLst>
                                           <p:attrName>style.visibility</p:attrName>
@@ -5770,26 +6929,53 @@
                     </p:cTn>
                   </p:par>
                   <p:par>
-                    <p:cTn id="24" fill="hold">
+                    <p:cTn id="37" fill="hold">
                       <p:stCondLst>
                         <p:cond delay="indefinite"/>
                       </p:stCondLst>
                       <p:childTnLst>
                         <p:par>
-                          <p:cTn id="25" fill="hold">
+                          <p:cTn id="38" fill="hold">
                             <p:stCondLst>
                               <p:cond delay="0"/>
                             </p:stCondLst>
                             <p:childTnLst>
                               <p:par>
-                                <p:cTn id="26" presetID="1" presetClass="entr" presetSubtype="0" fill="hold" grpId="0" nodeType="clickEffect">
+                                <p:cTn id="39" presetID="1" presetClass="entr" presetSubtype="0" fill="hold" grpId="0" nodeType="clickEffect">
                                   <p:stCondLst>
                                     <p:cond delay="0"/>
                                   </p:stCondLst>
                                   <p:childTnLst>
                                     <p:set>
                                       <p:cBhvr>
-                                        <p:cTn id="27" dur="1" fill="hold">
+                                        <p:cTn id="40" dur="1" fill="hold">
+                                          <p:stCondLst>
+                                            <p:cond delay="0"/>
+                                          </p:stCondLst>
+                                        </p:cTn>
+                                        <p:tgtEl>
+                                          <p:spTgt spid="12"/>
+                                        </p:tgtEl>
+                                        <p:attrNameLst>
+                                          <p:attrName>style.visibility</p:attrName>
+                                        </p:attrNameLst>
+                                      </p:cBhvr>
+                                      <p:to>
+                                        <p:strVal val="visible"/>
+                                      </p:to>
+                                    </p:set>
+                                  </p:childTnLst>
+                                </p:cTn>
+                              </p:par>
+                              <p:par>
+                                <p:cTn id="41" presetID="1" presetClass="entr" presetSubtype="0" fill="hold" grpId="0" nodeType="withEffect">
+                                  <p:stCondLst>
+                                    <p:cond delay="0"/>
+                                  </p:stCondLst>
+                                  <p:childTnLst>
+                                    <p:set>
+                                      <p:cBhvr>
+                                        <p:cTn id="42" dur="1" fill="hold">
                                           <p:stCondLst>
                                             <p:cond delay="0"/>
                                           </p:stCondLst>
@@ -5836,93 +7022,23 @@
       </p:par>
     </p:tnLst>
     <p:bldLst>
+      <p:bldP spid="5" grpId="0"/>
+      <p:bldP spid="6" grpId="0"/>
+      <p:bldP spid="7" grpId="0"/>
       <p:bldP spid="13" grpId="0"/>
+      <p:bldP spid="8" grpId="0"/>
       <p:bldP spid="14" grpId="0"/>
+      <p:bldP spid="9" grpId="0"/>
+      <p:bldP spid="10" grpId="0"/>
       <p:bldP spid="15" grpId="0"/>
+      <p:bldP spid="11" grpId="0"/>
       <p:bldP spid="16" grpId="0"/>
+      <p:bldP spid="2" grpId="0"/>
+      <p:bldP spid="3" grpId="0"/>
+      <p:bldP spid="12" grpId="0"/>
       <p:bldP spid="17" grpId="0"/>
     </p:bldLst>
   </p:timing>
-</p:sld>
-</file>
-
-<file path=ppt/slides/slide9.xml><?xml version="1.0" encoding="utf-8"?>
-<p:sld xmlns:a="http://schemas.openxmlformats.org/drawingml/2006/main" xmlns:r="http://schemas.openxmlformats.org/officeDocument/2006/relationships" xmlns:p="http://schemas.openxmlformats.org/presentationml/2006/main">
-  <p:cSld>
-    <p:bg>
-      <p:bgPr>
-        <a:solidFill>
-          <a:schemeClr val="bg2">
-            <a:lumMod val="25000"/>
-          </a:schemeClr>
-        </a:solidFill>
-        <a:effectLst/>
-      </p:bgPr>
-    </p:bg>
-    <p:spTree>
-      <p:nvGrpSpPr>
-        <p:cNvPr id="1" name=""/>
-        <p:cNvGrpSpPr/>
-        <p:nvPr/>
-      </p:nvGrpSpPr>
-      <p:grpSpPr/>
-      <p:sp>
-        <p:nvSpPr>
-          <p:cNvPr id="2" name="标题 1"/>
-          <p:cNvSpPr>
-            <a:spLocks noGrp="1"/>
-          </p:cNvSpPr>
-          <p:nvPr>
-            <p:ph type="title"/>
-          </p:nvPr>
-        </p:nvSpPr>
-        <p:spPr>
-          <a:xfrm>
-            <a:off x="838200" y="212090"/>
-            <a:ext cx="10515600" cy="6433820"/>
-          </a:xfrm>
-        </p:spPr>
-        <p:txBody>
-          <a:bodyPr>
-            <a:scene3d>
-              <a:camera prst="orthographicFront"/>
-              <a:lightRig rig="soft" dir="t">
-                <a:rot lat="0" lon="0" rev="15600000"/>
-              </a:lightRig>
-            </a:scene3d>
-            <a:sp3d extrusionH="57150" prstMaterial="softEdge">
-              <a:bevelT w="25400" h="38100"/>
-            </a:sp3d>
-          </a:bodyPr>
-          <a:p>
-            <a:pPr algn="ctr"/>
-            <a:r>
-              <a:rPr lang="zh-CN" altLang="en-US" sz="6600" b="0">
-                <a:solidFill>
-                  <a:schemeClr val="accent2"/>
-                </a:solidFill>
-                <a:effectLst/>
-                <a:latin typeface="+mn-ea"/>
-                <a:ea typeface="+mn-ea"/>
-              </a:rPr>
-              <a:t>功能演示</a:t>
-            </a:r>
-            <a:endParaRPr lang="zh-CN" altLang="en-US" sz="6600" b="0">
-              <a:solidFill>
-                <a:schemeClr val="accent2"/>
-              </a:solidFill>
-              <a:effectLst/>
-              <a:latin typeface="+mn-ea"/>
-              <a:ea typeface="+mn-ea"/>
-            </a:endParaRPr>
-          </a:p>
-        </p:txBody>
-      </p:sp>
-    </p:spTree>
-  </p:cSld>
-  <p:clrMapOvr>
-    <a:masterClrMapping/>
-  </p:clrMapOvr>
 </p:sld>
 </file>
 
